--- a/Materi/Pertemuan 7/Pertemuan - 7.pptx
+++ b/Materi/Pertemuan 7/Pertemuan - 7.pptx
@@ -9019,7 +9019,31 @@
             </a:r>
             <a:r>
               <a:rPr lang="en-ID" dirty="0"/>
-              <a:t>:  C:\xampp\htdocs\</a:t>
+              <a:t>:  C:\xampp\htdocs\ : </a:t>
+            </a:r>
+            <a:r>
+              <a:rPr lang="en-ID" dirty="0" err="1"/>
+              <a:t>untuk</a:t>
+            </a:r>
+            <a:r>
+              <a:rPr lang="en-ID" dirty="0"/>
+              <a:t> </a:t>
+            </a:r>
+            <a:r>
+              <a:rPr lang="en-ID" dirty="0" err="1"/>
+              <a:t>membuat</a:t>
+            </a:r>
+            <a:r>
+              <a:rPr lang="en-ID" dirty="0"/>
+              <a:t> project </a:t>
+            </a:r>
+            <a:r>
+              <a:rPr lang="en-ID" dirty="0" err="1"/>
+              <a:t>disini</a:t>
+            </a:r>
+            <a:r>
+              <a:rPr lang="en-ID" dirty="0"/>
+              <a:t>.</a:t>
             </a:r>
           </a:p>
           <a:p>
@@ -9029,7 +9053,15 @@
             </a:pPr>
             <a:r>
               <a:rPr lang="en-ID" dirty="0"/>
-              <a:t>Buat folder Project : </a:t>
+              <a:t>Buat </a:t>
+            </a:r>
+            <a:r>
+              <a:rPr lang="en-ID" b="1" dirty="0"/>
+              <a:t>folder Projec</a:t>
+            </a:r>
+            <a:r>
+              <a:rPr lang="en-ID" dirty="0"/>
+              <a:t>t : </a:t>
             </a:r>
             <a:r>
               <a:rPr lang="en-ID" dirty="0" err="1"/>
@@ -13035,7 +13067,7 @@
         <p:spPr>
           <a:xfrm>
             <a:off x="454374" y="692023"/>
-            <a:ext cx="4572000" cy="1169551"/>
+            <a:ext cx="4572000" cy="1384995"/>
           </a:xfrm>
           <a:prstGeom prst="rect">
             <a:avLst/>
@@ -13280,6 +13312,42 @@
               </a:rPr>
               <a:t>dbtest</a:t>
             </a:r>
+            <a:r>
+              <a:rPr lang="en-US" sz="1400" i="0" u="none" strike="noStrike" cap="none" dirty="0">
+                <a:solidFill>
+                  <a:schemeClr val="tx1"/>
+                </a:solidFill>
+                <a:latin typeface="Montserrat"/>
+                <a:ea typeface="Montserrat"/>
+                <a:cs typeface="Montserrat"/>
+                <a:sym typeface="Montserrat"/>
+              </a:rPr>
+              <a:t> </a:t>
+            </a:r>
+            <a:r>
+              <a:rPr lang="en-US" sz="1400" i="0" u="none" strike="noStrike" cap="none" dirty="0" err="1">
+                <a:solidFill>
+                  <a:schemeClr val="tx1"/>
+                </a:solidFill>
+                <a:latin typeface="Montserrat"/>
+                <a:ea typeface="Montserrat"/>
+                <a:cs typeface="Montserrat"/>
+                <a:sym typeface="Montserrat"/>
+              </a:rPr>
+              <a:t>akses</a:t>
+            </a:r>
+            <a:r>
+              <a:rPr lang="en-US" sz="1400" i="0" u="none" strike="noStrike" cap="none" dirty="0">
+                <a:solidFill>
+                  <a:schemeClr val="tx1"/>
+                </a:solidFill>
+                <a:latin typeface="Montserrat"/>
+                <a:ea typeface="Montserrat"/>
+                <a:cs typeface="Montserrat"/>
+                <a:sym typeface="Montserrat"/>
+              </a:rPr>
+              <a:t> di : http://localhost/phpmyadmin/</a:t>
+            </a:r>
             <a:endParaRPr lang="en-ID" dirty="0">
               <a:solidFill>
                 <a:schemeClr val="tx1"/>
@@ -13310,7 +13378,7 @@
         </p:blipFill>
         <p:spPr>
           <a:xfrm>
-            <a:off x="541605" y="1978334"/>
+            <a:off x="534571" y="2400364"/>
             <a:ext cx="5985803" cy="1469932"/>
           </a:xfrm>
           <a:prstGeom prst="rect">
